--- a/images/Images.pptx
+++ b/images/Images.pptx
@@ -9,6 +9,7 @@
     <p:sldId id="257" r:id="rId3"/>
     <p:sldId id="258" r:id="rId4"/>
     <p:sldId id="259" r:id="rId5"/>
+    <p:sldId id="260" r:id="rId6"/>
   </p:sldIdLst>
   <p:sldSz cx="12192000" cy="6858000"/>
   <p:notesSz cx="6858000" cy="9144000"/>
@@ -107,6 +108,11 @@
       </a:defRPr>
     </a:lvl9pPr>
   </p:defaultTextStyle>
+  <p:extLst>
+    <p:ext uri="{EFAFB233-063F-42B5-8137-9DF3F51BA10A}">
+      <p15:sldGuideLst xmlns:p15="http://schemas.microsoft.com/office/powerpoint/2012/main"/>
+    </p:ext>
+  </p:extLst>
 </p:presentation>
 </file>
 
@@ -259,7 +265,7 @@
           <a:p>
             <a:fld id="{7D852363-8AC4-9444-976A-AAFF1693DDBA}" type="datetimeFigureOut">
               <a:rPr lang="en-US" smtClean="0"/>
-              <a:t>6/10/24</a:t>
+              <a:t>6/19/24</a:t>
             </a:fld>
             <a:endParaRPr lang="en-US"/>
           </a:p>
@@ -459,7 +465,7 @@
           <a:p>
             <a:fld id="{7D852363-8AC4-9444-976A-AAFF1693DDBA}" type="datetimeFigureOut">
               <a:rPr lang="en-US" smtClean="0"/>
-              <a:t>6/10/24</a:t>
+              <a:t>6/19/24</a:t>
             </a:fld>
             <a:endParaRPr lang="en-US"/>
           </a:p>
@@ -669,7 +675,7 @@
           <a:p>
             <a:fld id="{7D852363-8AC4-9444-976A-AAFF1693DDBA}" type="datetimeFigureOut">
               <a:rPr lang="en-US" smtClean="0"/>
-              <a:t>6/10/24</a:t>
+              <a:t>6/19/24</a:t>
             </a:fld>
             <a:endParaRPr lang="en-US"/>
           </a:p>
@@ -869,7 +875,7 @@
           <a:p>
             <a:fld id="{7D852363-8AC4-9444-976A-AAFF1693DDBA}" type="datetimeFigureOut">
               <a:rPr lang="en-US" smtClean="0"/>
-              <a:t>6/10/24</a:t>
+              <a:t>6/19/24</a:t>
             </a:fld>
             <a:endParaRPr lang="en-US"/>
           </a:p>
@@ -1145,7 +1151,7 @@
           <a:p>
             <a:fld id="{7D852363-8AC4-9444-976A-AAFF1693DDBA}" type="datetimeFigureOut">
               <a:rPr lang="en-US" smtClean="0"/>
-              <a:t>6/10/24</a:t>
+              <a:t>6/19/24</a:t>
             </a:fld>
             <a:endParaRPr lang="en-US"/>
           </a:p>
@@ -1413,7 +1419,7 @@
           <a:p>
             <a:fld id="{7D852363-8AC4-9444-976A-AAFF1693DDBA}" type="datetimeFigureOut">
               <a:rPr lang="en-US" smtClean="0"/>
-              <a:t>6/10/24</a:t>
+              <a:t>6/19/24</a:t>
             </a:fld>
             <a:endParaRPr lang="en-US"/>
           </a:p>
@@ -1828,7 +1834,7 @@
           <a:p>
             <a:fld id="{7D852363-8AC4-9444-976A-AAFF1693DDBA}" type="datetimeFigureOut">
               <a:rPr lang="en-US" smtClean="0"/>
-              <a:t>6/10/24</a:t>
+              <a:t>6/19/24</a:t>
             </a:fld>
             <a:endParaRPr lang="en-US"/>
           </a:p>
@@ -1970,7 +1976,7 @@
           <a:p>
             <a:fld id="{7D852363-8AC4-9444-976A-AAFF1693DDBA}" type="datetimeFigureOut">
               <a:rPr lang="en-US" smtClean="0"/>
-              <a:t>6/10/24</a:t>
+              <a:t>6/19/24</a:t>
             </a:fld>
             <a:endParaRPr lang="en-US"/>
           </a:p>
@@ -2083,7 +2089,7 @@
           <a:p>
             <a:fld id="{7D852363-8AC4-9444-976A-AAFF1693DDBA}" type="datetimeFigureOut">
               <a:rPr lang="en-US" smtClean="0"/>
-              <a:t>6/10/24</a:t>
+              <a:t>6/19/24</a:t>
             </a:fld>
             <a:endParaRPr lang="en-US"/>
           </a:p>
@@ -2396,7 +2402,7 @@
           <a:p>
             <a:fld id="{7D852363-8AC4-9444-976A-AAFF1693DDBA}" type="datetimeFigureOut">
               <a:rPr lang="en-US" smtClean="0"/>
-              <a:t>6/10/24</a:t>
+              <a:t>6/19/24</a:t>
             </a:fld>
             <a:endParaRPr lang="en-US"/>
           </a:p>
@@ -2685,7 +2691,7 @@
           <a:p>
             <a:fld id="{7D852363-8AC4-9444-976A-AAFF1693DDBA}" type="datetimeFigureOut">
               <a:rPr lang="en-US" smtClean="0"/>
-              <a:t>6/10/24</a:t>
+              <a:t>6/19/24</a:t>
             </a:fld>
             <a:endParaRPr lang="en-US"/>
           </a:p>
@@ -2928,7 +2934,7 @@
           <a:p>
             <a:fld id="{7D852363-8AC4-9444-976A-AAFF1693DDBA}" type="datetimeFigureOut">
               <a:rPr lang="en-US" smtClean="0"/>
-              <a:t>6/10/24</a:t>
+              <a:t>6/19/24</a:t>
             </a:fld>
             <a:endParaRPr lang="en-US"/>
           </a:p>
@@ -4517,6 +4523,230 @@
 </p:sld>
 </file>
 
+<file path=ppt/slides/slide5.xml><?xml version="1.0" encoding="utf-8"?>
+<p:sld xmlns:a="http://schemas.openxmlformats.org/drawingml/2006/main" xmlns:r="http://schemas.openxmlformats.org/officeDocument/2006/relationships" xmlns:p="http://schemas.openxmlformats.org/presentationml/2006/main">
+  <p:cSld>
+    <p:spTree>
+      <p:nvGrpSpPr>
+        <p:cNvPr id="1" name=""/>
+        <p:cNvGrpSpPr/>
+        <p:nvPr/>
+      </p:nvGrpSpPr>
+      <p:grpSpPr>
+        <a:xfrm>
+          <a:off x="0" y="0"/>
+          <a:ext cx="0" cy="0"/>
+          <a:chOff x="0" y="0"/>
+          <a:chExt cx="0" cy="0"/>
+        </a:xfrm>
+      </p:grpSpPr>
+      <p:sp>
+        <p:nvSpPr>
+          <p:cNvPr id="4" name="TextBox 3">
+            <a:extLst>
+              <a:ext uri="{FF2B5EF4-FFF2-40B4-BE49-F238E27FC236}">
+                <a16:creationId xmlns:a16="http://schemas.microsoft.com/office/drawing/2014/main" id="{D8B00BDD-A17B-434F-B288-4E6CBED5BA6D}"/>
+              </a:ext>
+            </a:extLst>
+          </p:cNvPr>
+          <p:cNvSpPr txBox="1"/>
+          <p:nvPr/>
+        </p:nvSpPr>
+        <p:spPr>
+          <a:xfrm>
+            <a:off x="5928457" y="500337"/>
+            <a:ext cx="2144486" cy="1862048"/>
+          </a:xfrm>
+          <a:prstGeom prst="rect">
+            <a:avLst/>
+          </a:prstGeom>
+          <a:noFill/>
+        </p:spPr>
+        <p:txBody>
+          <a:bodyPr wrap="square" rtlCol="0">
+            <a:spAutoFit/>
+          </a:bodyPr>
+          <a:lstStyle/>
+          <a:p>
+            <a:r>
+              <a:rPr lang="en-US" sz="11500" spc="-300" dirty="0" err="1"/>
+              <a:t>uA</a:t>
+            </a:r>
+            <a:endParaRPr lang="en-US" sz="11500" spc="-300" dirty="0"/>
+          </a:p>
+        </p:txBody>
+      </p:sp>
+      <p:sp>
+        <p:nvSpPr>
+          <p:cNvPr id="9" name="Rectangle 8">
+            <a:extLst>
+              <a:ext uri="{FF2B5EF4-FFF2-40B4-BE49-F238E27FC236}">
+                <a16:creationId xmlns:a16="http://schemas.microsoft.com/office/drawing/2014/main" id="{A5D5D6AF-44AF-8647-819B-1E7AF15F3930}"/>
+              </a:ext>
+            </a:extLst>
+          </p:cNvPr>
+          <p:cNvSpPr/>
+          <p:nvPr/>
+        </p:nvSpPr>
+        <p:spPr>
+          <a:xfrm>
+            <a:off x="1931181" y="3130652"/>
+            <a:ext cx="1638368" cy="1636110"/>
+          </a:xfrm>
+          <a:prstGeom prst="rect">
+            <a:avLst/>
+          </a:prstGeom>
+          <a:solidFill>
+            <a:srgbClr val="0000FF"/>
+          </a:solidFill>
+        </p:spPr>
+        <p:style>
+          <a:lnRef idx="2">
+            <a:schemeClr val="accent1">
+              <a:shade val="50000"/>
+            </a:schemeClr>
+          </a:lnRef>
+          <a:fillRef idx="1">
+            <a:schemeClr val="accent1"/>
+          </a:fillRef>
+          <a:effectRef idx="0">
+            <a:schemeClr val="accent1"/>
+          </a:effectRef>
+          <a:fontRef idx="minor">
+            <a:schemeClr val="lt1"/>
+          </a:fontRef>
+        </p:style>
+        <p:txBody>
+          <a:bodyPr rtlCol="0" anchor="ctr"/>
+          <a:lstStyle/>
+          <a:p>
+            <a:pPr algn="ctr"/>
+            <a:endParaRPr lang="en-US"/>
+          </a:p>
+        </p:txBody>
+      </p:sp>
+      <p:grpSp>
+        <p:nvGrpSpPr>
+          <p:cNvPr id="10" name="Group 9">
+            <a:extLst>
+              <a:ext uri="{FF2B5EF4-FFF2-40B4-BE49-F238E27FC236}">
+                <a16:creationId xmlns:a16="http://schemas.microsoft.com/office/drawing/2014/main" id="{A0674F47-993B-0D4C-8CF6-C5B014E04FA5}"/>
+              </a:ext>
+            </a:extLst>
+          </p:cNvPr>
+          <p:cNvGrpSpPr/>
+          <p:nvPr/>
+        </p:nvGrpSpPr>
+        <p:grpSpPr>
+          <a:xfrm>
+            <a:off x="2028824" y="3122674"/>
+            <a:ext cx="1842442" cy="1569661"/>
+            <a:chOff x="2486269" y="3122673"/>
+            <a:chExt cx="1269470" cy="1303166"/>
+          </a:xfrm>
+        </p:grpSpPr>
+        <p:sp>
+          <p:nvSpPr>
+            <p:cNvPr id="6" name="TextBox 5">
+              <a:extLst>
+                <a:ext uri="{FF2B5EF4-FFF2-40B4-BE49-F238E27FC236}">
+                  <a16:creationId xmlns:a16="http://schemas.microsoft.com/office/drawing/2014/main" id="{35EC05B4-27CE-0140-ADE6-4C8B31236213}"/>
+                </a:ext>
+              </a:extLst>
+            </p:cNvPr>
+            <p:cNvSpPr txBox="1"/>
+            <p:nvPr/>
+          </p:nvSpPr>
+          <p:spPr>
+            <a:xfrm>
+              <a:off x="2849044" y="3122673"/>
+              <a:ext cx="906695" cy="1303166"/>
+            </a:xfrm>
+            <a:prstGeom prst="rect">
+              <a:avLst/>
+            </a:prstGeom>
+            <a:noFill/>
+          </p:spPr>
+          <p:txBody>
+            <a:bodyPr wrap="square">
+              <a:spAutoFit/>
+            </a:bodyPr>
+            <a:lstStyle/>
+            <a:p>
+              <a:r>
+                <a:rPr lang="en-US" sz="9600" spc="-300" dirty="0">
+                  <a:solidFill>
+                    <a:srgbClr val="F4F4F4"/>
+                  </a:solidFill>
+                </a:rPr>
+                <a:t>A</a:t>
+              </a:r>
+              <a:endParaRPr lang="en-US" dirty="0">
+                <a:solidFill>
+                  <a:srgbClr val="F4F4F4"/>
+                </a:solidFill>
+              </a:endParaRPr>
+            </a:p>
+          </p:txBody>
+        </p:sp>
+        <p:sp>
+          <p:nvSpPr>
+            <p:cNvPr id="8" name="TextBox 7">
+              <a:extLst>
+                <a:ext uri="{FF2B5EF4-FFF2-40B4-BE49-F238E27FC236}">
+                  <a16:creationId xmlns:a16="http://schemas.microsoft.com/office/drawing/2014/main" id="{B5A27745-DE39-EC46-881E-504C3D5D1F57}"/>
+                </a:ext>
+              </a:extLst>
+            </p:cNvPr>
+            <p:cNvSpPr txBox="1"/>
+            <p:nvPr/>
+          </p:nvSpPr>
+          <p:spPr>
+            <a:xfrm>
+              <a:off x="2486269" y="3122673"/>
+              <a:ext cx="803952" cy="1303166"/>
+            </a:xfrm>
+            <a:prstGeom prst="rect">
+              <a:avLst/>
+            </a:prstGeom>
+            <a:noFill/>
+          </p:spPr>
+          <p:txBody>
+            <a:bodyPr wrap="square">
+              <a:spAutoFit/>
+            </a:bodyPr>
+            <a:lstStyle/>
+            <a:p>
+              <a:r>
+                <a:rPr lang="en-US" sz="9600" spc="-300" dirty="0">
+                  <a:solidFill>
+                    <a:srgbClr val="F4F4F4"/>
+                  </a:solidFill>
+                </a:rPr>
+                <a:t>u</a:t>
+              </a:r>
+              <a:endParaRPr lang="en-US" dirty="0">
+                <a:solidFill>
+                  <a:srgbClr val="F4F4F4"/>
+                </a:solidFill>
+              </a:endParaRPr>
+            </a:p>
+          </p:txBody>
+        </p:sp>
+      </p:grpSp>
+    </p:spTree>
+    <p:extLst>
+      <p:ext uri="{BB962C8B-B14F-4D97-AF65-F5344CB8AC3E}">
+        <p14:creationId xmlns:p14="http://schemas.microsoft.com/office/powerpoint/2010/main" val="3785257740"/>
+      </p:ext>
+    </p:extLst>
+  </p:cSld>
+  <p:clrMapOvr>
+    <a:masterClrMapping/>
+  </p:clrMapOvr>
+</p:sld>
+</file>
+
 <file path=ppt/theme/theme1.xml><?xml version="1.0" encoding="utf-8"?>
 <a:theme xmlns:a="http://schemas.openxmlformats.org/drawingml/2006/main" name="Office Theme">
   <a:themeElements>

--- a/images/Images.pptx
+++ b/images/Images.pptx
@@ -10,6 +10,7 @@
     <p:sldId id="258" r:id="rId4"/>
     <p:sldId id="259" r:id="rId5"/>
     <p:sldId id="260" r:id="rId6"/>
+    <p:sldId id="261" r:id="rId7"/>
   </p:sldIdLst>
   <p:sldSz cx="12192000" cy="6858000"/>
   <p:notesSz cx="6858000" cy="9144000"/>
@@ -265,7 +266,7 @@
           <a:p>
             <a:fld id="{7D852363-8AC4-9444-976A-AAFF1693DDBA}" type="datetimeFigureOut">
               <a:rPr lang="en-US" smtClean="0"/>
-              <a:t>6/19/24</a:t>
+              <a:t>6/21/24</a:t>
             </a:fld>
             <a:endParaRPr lang="en-US"/>
           </a:p>
@@ -465,7 +466,7 @@
           <a:p>
             <a:fld id="{7D852363-8AC4-9444-976A-AAFF1693DDBA}" type="datetimeFigureOut">
               <a:rPr lang="en-US" smtClean="0"/>
-              <a:t>6/19/24</a:t>
+              <a:t>6/21/24</a:t>
             </a:fld>
             <a:endParaRPr lang="en-US"/>
           </a:p>
@@ -675,7 +676,7 @@
           <a:p>
             <a:fld id="{7D852363-8AC4-9444-976A-AAFF1693DDBA}" type="datetimeFigureOut">
               <a:rPr lang="en-US" smtClean="0"/>
-              <a:t>6/19/24</a:t>
+              <a:t>6/21/24</a:t>
             </a:fld>
             <a:endParaRPr lang="en-US"/>
           </a:p>
@@ -875,7 +876,7 @@
           <a:p>
             <a:fld id="{7D852363-8AC4-9444-976A-AAFF1693DDBA}" type="datetimeFigureOut">
               <a:rPr lang="en-US" smtClean="0"/>
-              <a:t>6/19/24</a:t>
+              <a:t>6/21/24</a:t>
             </a:fld>
             <a:endParaRPr lang="en-US"/>
           </a:p>
@@ -1151,7 +1152,7 @@
           <a:p>
             <a:fld id="{7D852363-8AC4-9444-976A-AAFF1693DDBA}" type="datetimeFigureOut">
               <a:rPr lang="en-US" smtClean="0"/>
-              <a:t>6/19/24</a:t>
+              <a:t>6/21/24</a:t>
             </a:fld>
             <a:endParaRPr lang="en-US"/>
           </a:p>
@@ -1419,7 +1420,7 @@
           <a:p>
             <a:fld id="{7D852363-8AC4-9444-976A-AAFF1693DDBA}" type="datetimeFigureOut">
               <a:rPr lang="en-US" smtClean="0"/>
-              <a:t>6/19/24</a:t>
+              <a:t>6/21/24</a:t>
             </a:fld>
             <a:endParaRPr lang="en-US"/>
           </a:p>
@@ -1834,7 +1835,7 @@
           <a:p>
             <a:fld id="{7D852363-8AC4-9444-976A-AAFF1693DDBA}" type="datetimeFigureOut">
               <a:rPr lang="en-US" smtClean="0"/>
-              <a:t>6/19/24</a:t>
+              <a:t>6/21/24</a:t>
             </a:fld>
             <a:endParaRPr lang="en-US"/>
           </a:p>
@@ -1976,7 +1977,7 @@
           <a:p>
             <a:fld id="{7D852363-8AC4-9444-976A-AAFF1693DDBA}" type="datetimeFigureOut">
               <a:rPr lang="en-US" smtClean="0"/>
-              <a:t>6/19/24</a:t>
+              <a:t>6/21/24</a:t>
             </a:fld>
             <a:endParaRPr lang="en-US"/>
           </a:p>
@@ -2089,7 +2090,7 @@
           <a:p>
             <a:fld id="{7D852363-8AC4-9444-976A-AAFF1693DDBA}" type="datetimeFigureOut">
               <a:rPr lang="en-US" smtClean="0"/>
-              <a:t>6/19/24</a:t>
+              <a:t>6/21/24</a:t>
             </a:fld>
             <a:endParaRPr lang="en-US"/>
           </a:p>
@@ -2402,7 +2403,7 @@
           <a:p>
             <a:fld id="{7D852363-8AC4-9444-976A-AAFF1693DDBA}" type="datetimeFigureOut">
               <a:rPr lang="en-US" smtClean="0"/>
-              <a:t>6/19/24</a:t>
+              <a:t>6/21/24</a:t>
             </a:fld>
             <a:endParaRPr lang="en-US"/>
           </a:p>
@@ -2691,7 +2692,7 @@
           <a:p>
             <a:fld id="{7D852363-8AC4-9444-976A-AAFF1693DDBA}" type="datetimeFigureOut">
               <a:rPr lang="en-US" smtClean="0"/>
-              <a:t>6/19/24</a:t>
+              <a:t>6/21/24</a:t>
             </a:fld>
             <a:endParaRPr lang="en-US"/>
           </a:p>
@@ -2934,7 +2935,7 @@
           <a:p>
             <a:fld id="{7D852363-8AC4-9444-976A-AAFF1693DDBA}" type="datetimeFigureOut">
               <a:rPr lang="en-US" smtClean="0"/>
-              <a:t>6/19/24</a:t>
+              <a:t>6/21/24</a:t>
             </a:fld>
             <a:endParaRPr lang="en-US"/>
           </a:p>
@@ -4755,6 +4756,66 @@
 </p:sld>
 </file>
 
+<file path=ppt/slides/slide6.xml><?xml version="1.0" encoding="utf-8"?>
+<p:sld xmlns:a="http://schemas.openxmlformats.org/drawingml/2006/main" xmlns:r="http://schemas.openxmlformats.org/officeDocument/2006/relationships" xmlns:p="http://schemas.openxmlformats.org/presentationml/2006/main">
+  <p:cSld>
+    <p:spTree>
+      <p:nvGrpSpPr>
+        <p:cNvPr id="1" name=""/>
+        <p:cNvGrpSpPr/>
+        <p:nvPr/>
+      </p:nvGrpSpPr>
+      <p:grpSpPr>
+        <a:xfrm>
+          <a:off x="0" y="0"/>
+          <a:ext cx="0" cy="0"/>
+          <a:chOff x="0" y="0"/>
+          <a:chExt cx="0" cy="0"/>
+        </a:xfrm>
+      </p:grpSpPr>
+      <p:pic>
+        <p:nvPicPr>
+          <p:cNvPr id="3" name="Picture 2">
+            <a:extLst>
+              <a:ext uri="{FF2B5EF4-FFF2-40B4-BE49-F238E27FC236}">
+                <a16:creationId xmlns:a16="http://schemas.microsoft.com/office/drawing/2014/main" id="{1408CD9F-62F1-AD4F-9F32-FAB1BE071273}"/>
+              </a:ext>
+            </a:extLst>
+          </p:cNvPr>
+          <p:cNvPicPr>
+            <a:picLocks noChangeAspect="1"/>
+          </p:cNvPicPr>
+          <p:nvPr/>
+        </p:nvPicPr>
+        <p:blipFill>
+          <a:blip r:embed="rId2"/>
+          <a:stretch>
+            <a:fillRect/>
+          </a:stretch>
+        </p:blipFill>
+        <p:spPr>
+          <a:xfrm>
+            <a:off x="8645889" y="994515"/>
+            <a:ext cx="3905149" cy="3635829"/>
+          </a:xfrm>
+          <a:prstGeom prst="rect">
+            <a:avLst/>
+          </a:prstGeom>
+        </p:spPr>
+      </p:pic>
+    </p:spTree>
+    <p:extLst>
+      <p:ext uri="{BB962C8B-B14F-4D97-AF65-F5344CB8AC3E}">
+        <p14:creationId xmlns:p14="http://schemas.microsoft.com/office/powerpoint/2010/main" val="404324608"/>
+      </p:ext>
+    </p:extLst>
+  </p:cSld>
+  <p:clrMapOvr>
+    <a:masterClrMapping/>
+  </p:clrMapOvr>
+</p:sld>
+</file>
+
 <file path=ppt/theme/theme1.xml><?xml version="1.0" encoding="utf-8"?>
 <a:theme xmlns:a="http://schemas.openxmlformats.org/drawingml/2006/main" name="Office Theme">
   <a:themeElements>
